--- a/slides/online_4dx1.5h/day3-final.pptx
+++ b/slides/online_4dx1.5h/day3-final.pptx
@@ -5,7 +5,7 @@
     <p:sldMasterId id="2147483648" r:id="rId4"/>
   </p:sldMasterIdLst>
   <p:notesMasterIdLst>
-    <p:notesMasterId r:id="rId17"/>
+    <p:notesMasterId r:id="rId22"/>
   </p:notesMasterIdLst>
   <p:sldIdLst>
     <p:sldId id="256" r:id="rId5"/>
@@ -19,7 +19,12 @@
     <p:sldId id="275" r:id="rId13"/>
     <p:sldId id="277" r:id="rId14"/>
     <p:sldId id="278" r:id="rId15"/>
-    <p:sldId id="279" r:id="rId16"/>
+    <p:sldId id="285" r:id="rId16"/>
+    <p:sldId id="281" r:id="rId17"/>
+    <p:sldId id="282" r:id="rId18"/>
+    <p:sldId id="283" r:id="rId19"/>
+    <p:sldId id="284" r:id="rId20"/>
+    <p:sldId id="279" r:id="rId21"/>
   </p:sldIdLst>
   <p:sldSz cx="12192000" cy="6858000"/>
   <p:notesSz cx="6858000" cy="9144000"/>
@@ -1218,6 +1223,259 @@
 </p:notes>
 </file>
 
+<file path=ppt/notesSlides/notesSlide6.xml><?xml version="1.0" encoding="utf-8"?>
+<p:notes xmlns:a="http://schemas.openxmlformats.org/drawingml/2006/main" xmlns:r="http://schemas.openxmlformats.org/officeDocument/2006/relationships" xmlns:p="http://schemas.openxmlformats.org/presentationml/2006/main">
+  <p:cSld>
+    <p:spTree>
+      <p:nvGrpSpPr>
+        <p:cNvPr id="1" name=""/>
+        <p:cNvGrpSpPr/>
+        <p:nvPr/>
+      </p:nvGrpSpPr>
+      <p:grpSpPr>
+        <a:xfrm>
+          <a:off x="0" y="0"/>
+          <a:ext cx="0" cy="0"/>
+          <a:chOff x="0" y="0"/>
+          <a:chExt cx="0" cy="0"/>
+        </a:xfrm>
+      </p:grpSpPr>
+      <p:sp>
+        <p:nvSpPr>
+          <p:cNvPr id="2" name="Образ слайда 1"/>
+          <p:cNvSpPr>
+            <a:spLocks noGrp="1" noRot="1" noChangeAspect="1"/>
+          </p:cNvSpPr>
+          <p:nvPr>
+            <p:ph type="sldImg"/>
+          </p:nvPr>
+        </p:nvSpPr>
+        <p:spPr>
+          <a:xfrm>
+            <a:off x="138113" y="766763"/>
+            <a:ext cx="6823075" cy="3838575"/>
+          </a:xfrm>
+        </p:spPr>
+      </p:sp>
+      <p:sp>
+        <p:nvSpPr>
+          <p:cNvPr id="3" name="Заметки 2"/>
+          <p:cNvSpPr>
+            <a:spLocks noGrp="1"/>
+          </p:cNvSpPr>
+          <p:nvPr>
+            <p:ph type="body" idx="1"/>
+          </p:nvPr>
+        </p:nvSpPr>
+        <p:spPr/>
+        <p:txBody>
+          <a:bodyPr/>
+          <a:lstStyle/>
+          <a:p>
+            <a:endParaRPr lang="ru-RU" dirty="0"/>
+          </a:p>
+        </p:txBody>
+      </p:sp>
+      <p:sp>
+        <p:nvSpPr>
+          <p:cNvPr id="4" name="Номер слайда 3"/>
+          <p:cNvSpPr>
+            <a:spLocks noGrp="1"/>
+          </p:cNvSpPr>
+          <p:nvPr>
+            <p:ph type="sldNum" sz="quarter" idx="10"/>
+          </p:nvPr>
+        </p:nvSpPr>
+        <p:spPr/>
+        <p:txBody>
+          <a:bodyPr/>
+          <a:lstStyle/>
+          <a:p>
+            <a:fld id="{A9A0EA98-5831-4853-B862-C702E6EB345C}" type="slidenum">
+              <a:rPr lang="en-US" smtClean="0"/>
+              <a:t>13</a:t>
+            </a:fld>
+            <a:endParaRPr lang="en-US"/>
+          </a:p>
+        </p:txBody>
+      </p:sp>
+    </p:spTree>
+    <p:extLst>
+      <p:ext uri="{BB962C8B-B14F-4D97-AF65-F5344CB8AC3E}">
+        <p14:creationId xmlns:p14="http://schemas.microsoft.com/office/powerpoint/2010/main" val="1830852040"/>
+      </p:ext>
+    </p:extLst>
+  </p:cSld>
+  <p:clrMapOvr>
+    <a:masterClrMapping/>
+  </p:clrMapOvr>
+</p:notes>
+</file>
+
+<file path=ppt/notesSlides/notesSlide7.xml><?xml version="1.0" encoding="utf-8"?>
+<p:notes xmlns:a="http://schemas.openxmlformats.org/drawingml/2006/main" xmlns:r="http://schemas.openxmlformats.org/officeDocument/2006/relationships" xmlns:p="http://schemas.openxmlformats.org/presentationml/2006/main">
+  <p:cSld>
+    <p:spTree>
+      <p:nvGrpSpPr>
+        <p:cNvPr id="1" name=""/>
+        <p:cNvGrpSpPr/>
+        <p:nvPr/>
+      </p:nvGrpSpPr>
+      <p:grpSpPr>
+        <a:xfrm>
+          <a:off x="0" y="0"/>
+          <a:ext cx="0" cy="0"/>
+          <a:chOff x="0" y="0"/>
+          <a:chExt cx="0" cy="0"/>
+        </a:xfrm>
+      </p:grpSpPr>
+      <p:sp>
+        <p:nvSpPr>
+          <p:cNvPr id="2" name="Образ слайда 1"/>
+          <p:cNvSpPr>
+            <a:spLocks noGrp="1" noRot="1" noChangeAspect="1"/>
+          </p:cNvSpPr>
+          <p:nvPr>
+            <p:ph type="sldImg"/>
+          </p:nvPr>
+        </p:nvSpPr>
+        <p:spPr>
+          <a:xfrm>
+            <a:off x="138113" y="766763"/>
+            <a:ext cx="6823075" cy="3838575"/>
+          </a:xfrm>
+        </p:spPr>
+      </p:sp>
+      <p:sp>
+        <p:nvSpPr>
+          <p:cNvPr id="3" name="Заметки 2"/>
+          <p:cNvSpPr>
+            <a:spLocks noGrp="1"/>
+          </p:cNvSpPr>
+          <p:nvPr>
+            <p:ph type="body" idx="1"/>
+          </p:nvPr>
+        </p:nvSpPr>
+        <p:spPr/>
+        <p:txBody>
+          <a:bodyPr/>
+          <a:lstStyle/>
+          <a:p>
+            <a:r>
+              <a:rPr lang="ru-RU" dirty="0" smtClean="0"/>
+              <a:t>28 человек из </a:t>
+            </a:r>
+            <a:r>
+              <a:rPr lang="en-US" dirty="0" smtClean="0"/>
+              <a:t>~50</a:t>
+            </a:r>
+            <a:br>
+              <a:rPr lang="en-US" dirty="0" smtClean="0"/>
+            </a:br>
+            <a:r>
+              <a:rPr lang="en-US" dirty="0" smtClean="0"/>
+              <a:t>21</a:t>
+            </a:r>
+            <a:r>
+              <a:rPr lang="en-US" baseline="0" dirty="0" smtClean="0"/>
+              <a:t> — </a:t>
+            </a:r>
+            <a:r>
+              <a:rPr lang="ru-RU" baseline="0" dirty="0" smtClean="0"/>
+              <a:t>вне Контура</a:t>
+            </a:r>
+          </a:p>
+          <a:p>
+            <a:r>
+              <a:rPr lang="ru-RU" baseline="0" dirty="0" smtClean="0"/>
+              <a:t>19 — программистами</a:t>
+            </a:r>
+          </a:p>
+          <a:p>
+            <a:endParaRPr lang="ru-RU" baseline="0" dirty="0" smtClean="0"/>
+          </a:p>
+          <a:p>
+            <a:r>
+              <a:rPr lang="ru-RU" baseline="0" dirty="0" smtClean="0"/>
+              <a:t>кто где на картинках:</a:t>
+            </a:r>
+            <a:endParaRPr lang="en-US" baseline="0" dirty="0" smtClean="0"/>
+          </a:p>
+          <a:p>
+            <a:r>
+              <a:rPr lang="ru-RU" dirty="0" smtClean="0"/>
+              <a:t>Тинькофф</a:t>
+            </a:r>
+            <a:r>
+              <a:rPr lang="ru-RU" baseline="0" dirty="0" smtClean="0"/>
+              <a:t> Яндекс </a:t>
+            </a:r>
+            <a:r>
+              <a:rPr lang="ru-RU" baseline="0" dirty="0" err="1" smtClean="0"/>
+              <a:t>Даблтэп</a:t>
+            </a:r>
+            <a:endParaRPr lang="ru-RU" baseline="0" dirty="0" smtClean="0"/>
+          </a:p>
+          <a:p>
+            <a:r>
+              <a:rPr lang="ru-RU" baseline="0" dirty="0" smtClean="0"/>
+              <a:t>Экстрим . </a:t>
+            </a:r>
+            <a:r>
+              <a:rPr lang="ru-RU" baseline="0" dirty="0" err="1" smtClean="0"/>
+              <a:t>Наумен</a:t>
+            </a:r>
+            <a:endParaRPr lang="ru-RU" baseline="0" dirty="0" smtClean="0"/>
+          </a:p>
+          <a:p>
+            <a:r>
+              <a:rPr lang="ru-RU" baseline="0" dirty="0" smtClean="0"/>
+              <a:t>. Контур </a:t>
+            </a:r>
+            <a:r>
+              <a:rPr lang="ru-RU" baseline="0" dirty="0" err="1" smtClean="0"/>
+              <a:t>Сбер</a:t>
+            </a:r>
+            <a:endParaRPr lang="ru-RU" dirty="0"/>
+          </a:p>
+        </p:txBody>
+      </p:sp>
+      <p:sp>
+        <p:nvSpPr>
+          <p:cNvPr id="4" name="Номер слайда 3"/>
+          <p:cNvSpPr>
+            <a:spLocks noGrp="1"/>
+          </p:cNvSpPr>
+          <p:nvPr>
+            <p:ph type="sldNum" sz="quarter" idx="10"/>
+          </p:nvPr>
+        </p:nvSpPr>
+        <p:spPr/>
+        <p:txBody>
+          <a:bodyPr/>
+          <a:lstStyle/>
+          <a:p>
+            <a:fld id="{A9A0EA98-5831-4853-B862-C702E6EB345C}" type="slidenum">
+              <a:rPr lang="en-US" smtClean="0"/>
+              <a:t>15</a:t>
+            </a:fld>
+            <a:endParaRPr lang="en-US"/>
+          </a:p>
+        </p:txBody>
+      </p:sp>
+    </p:spTree>
+    <p:extLst>
+      <p:ext uri="{BB962C8B-B14F-4D97-AF65-F5344CB8AC3E}">
+        <p14:creationId xmlns:p14="http://schemas.microsoft.com/office/powerpoint/2010/main" val="2939107140"/>
+      </p:ext>
+    </p:extLst>
+  </p:cSld>
+  <p:clrMapOvr>
+    <a:masterClrMapping/>
+  </p:clrMapOvr>
+</p:notes>
+</file>
+
 <file path=ppt/slideLayouts/slideLayout1.xml><?xml version="1.0" encoding="utf-8"?>
 <p:sldLayout xmlns:a="http://schemas.openxmlformats.org/drawingml/2006/main" xmlns:r="http://schemas.openxmlformats.org/officeDocument/2006/relationships" xmlns:p="http://schemas.openxmlformats.org/presentationml/2006/main" type="title" preserve="1">
   <p:cSld name="Title Slide">
@@ -1436,7 +1694,7 @@
           <a:p>
             <a:fld id="{52604C20-81F0-455F-9EA6-DB887778A58A}" type="datetimeFigureOut">
               <a:rPr lang="en-US" smtClean="0"/>
-              <a:t>3/19/2022</a:t>
+              <a:t>3/24/2022</a:t>
             </a:fld>
             <a:endParaRPr lang="en-US"/>
           </a:p>
@@ -1635,7 +1893,7 @@
           <a:p>
             <a:fld id="{52604C20-81F0-455F-9EA6-DB887778A58A}" type="datetimeFigureOut">
               <a:rPr lang="en-US" smtClean="0"/>
-              <a:t>3/19/2022</a:t>
+              <a:t>3/24/2022</a:t>
             </a:fld>
             <a:endParaRPr lang="en-US"/>
           </a:p>
@@ -1842,7 +2100,7 @@
           <a:p>
             <a:fld id="{52604C20-81F0-455F-9EA6-DB887778A58A}" type="datetimeFigureOut">
               <a:rPr lang="en-US" smtClean="0"/>
-              <a:t>3/19/2022</a:t>
+              <a:t>3/24/2022</a:t>
             </a:fld>
             <a:endParaRPr lang="en-US"/>
           </a:p>
@@ -1993,7 +2251,7 @@
           <a:p>
             <a:fld id="{52604C20-81F0-455F-9EA6-DB887778A58A}" type="datetimeFigureOut">
               <a:rPr lang="en-US" smtClean="0"/>
-              <a:t>3/19/2022</a:t>
+              <a:t>3/24/2022</a:t>
             </a:fld>
             <a:endParaRPr lang="en-US"/>
           </a:p>
@@ -2295,7 +2553,7 @@
           <a:p>
             <a:fld id="{52604C20-81F0-455F-9EA6-DB887778A58A}" type="datetimeFigureOut">
               <a:rPr lang="en-US" smtClean="0"/>
-              <a:t>3/19/2022</a:t>
+              <a:t>3/24/2022</a:t>
             </a:fld>
             <a:endParaRPr lang="en-US"/>
           </a:p>
@@ -2545,7 +2803,7 @@
           <a:p>
             <a:fld id="{52604C20-81F0-455F-9EA6-DB887778A58A}" type="datetimeFigureOut">
               <a:rPr lang="en-US" smtClean="0"/>
-              <a:t>3/19/2022</a:t>
+              <a:t>3/24/2022</a:t>
             </a:fld>
             <a:endParaRPr lang="en-US"/>
           </a:p>
@@ -3085,14 +3343,19 @@
             <p:ph type="title"/>
           </p:nvPr>
         </p:nvSpPr>
-        <p:spPr/>
+        <p:spPr>
+          <a:xfrm>
+            <a:off x="623887" y="274639"/>
+            <a:ext cx="11301020" cy="1138236"/>
+          </a:xfrm>
+        </p:spPr>
         <p:txBody>
           <a:bodyPr/>
           <a:lstStyle/>
           <a:p>
             <a:r>
               <a:rPr lang="ru-RU" dirty="0" smtClean="0"/>
-              <a:t>Что тянут за собой эти игрушки?</a:t>
+              <a:t>Что тянут за собой эти «игрушки»?</a:t>
             </a:r>
             <a:endParaRPr lang="ru-RU" dirty="0"/>
           </a:p>
@@ -3165,7 +3428,7 @@
           <a:p>
             <a:r>
               <a:rPr lang="ru-RU" dirty="0" smtClean="0"/>
-              <a:t>отладочный вывод — без него сложно понять, что не так</a:t>
+              <a:t>отладка — практика поиска ошибок в своем коде</a:t>
             </a:r>
           </a:p>
           <a:p>
@@ -3249,7 +3512,7 @@
           <a:p>
             <a:r>
               <a:rPr lang="ru-RU" dirty="0" smtClean="0"/>
-              <a:t>Как готовить занятия?</a:t>
+              <a:t>Как я готовил эти занятия?</a:t>
             </a:r>
             <a:endParaRPr lang="ru-RU" dirty="0"/>
           </a:p>
@@ -3276,7 +3539,7 @@
             </a:pPr>
             <a:r>
               <a:rPr lang="ru-RU" dirty="0" smtClean="0"/>
-              <a:t>Выбрать игру</a:t>
+              <a:t>Выбрал игру</a:t>
             </a:r>
           </a:p>
           <a:p>
@@ -3286,7 +3549,7 @@
             </a:pPr>
             <a:r>
               <a:rPr lang="ru-RU" dirty="0" smtClean="0"/>
-              <a:t>Изучить </a:t>
+              <a:t>Изучил </a:t>
             </a:r>
             <a:r>
               <a:rPr lang="ru-RU" dirty="0"/>
@@ -3300,7 +3563,7 @@
             </a:pPr>
             <a:r>
               <a:rPr lang="ru-RU" dirty="0" smtClean="0"/>
-              <a:t>Выбрать </a:t>
+              <a:t>Выбрал </a:t>
             </a:r>
             <a:r>
               <a:rPr lang="ru-RU" dirty="0"/>
@@ -3318,12 +3581,8 @@
               <a:buAutoNum type="arabicPeriod"/>
             </a:pPr>
             <a:r>
-              <a:rPr lang="ru-RU" dirty="0" err="1" smtClean="0"/>
-              <a:t>Прорешать</a:t>
-            </a:r>
-            <a:r>
-              <a:rPr lang="ru-RU" dirty="0" smtClean="0"/>
-              <a:t> игру самостоятельно</a:t>
+              <a:rPr lang="ru-RU" dirty="0" smtClean="0"/>
+              <a:t>Решил игру самостоятельно</a:t>
             </a:r>
           </a:p>
           <a:p>
@@ -3333,7 +3592,7 @@
             </a:pPr>
             <a:r>
               <a:rPr lang="ru-RU" dirty="0" smtClean="0"/>
-              <a:t>Упростить, убрать лишнее</a:t>
+              <a:t>Упростил, убрал лишнее</a:t>
             </a:r>
           </a:p>
           <a:p>
@@ -3343,7 +3602,7 @@
             </a:pPr>
             <a:r>
               <a:rPr lang="ru-RU" dirty="0" smtClean="0"/>
-              <a:t>Разбить на задания</a:t>
+              <a:t>Разбил на задания</a:t>
             </a:r>
           </a:p>
           <a:p>
@@ -3353,7 +3612,7 @@
             </a:pPr>
             <a:r>
               <a:rPr lang="ru-RU" dirty="0" smtClean="0"/>
-              <a:t>Понять, какая теория нужна, чтобы ученики справились с заданиями</a:t>
+              <a:t>Определил, какая теория нужна, чтобы ученики справились с заданиями</a:t>
             </a:r>
             <a:endParaRPr lang="ru-RU" dirty="0"/>
           </a:p>
@@ -3412,8 +3671,8 @@
           <a:lstStyle/>
           <a:p>
             <a:r>
-              <a:rPr lang="en-US" dirty="0" err="1" smtClean="0"/>
-              <a:t>CodingHub</a:t>
+              <a:rPr lang="ru-RU" dirty="0" smtClean="0"/>
+              <a:t>Интересные, несложные игры</a:t>
             </a:r>
             <a:endParaRPr lang="ru-RU" dirty="0"/>
           </a:p>
@@ -3433,18 +3692,266 @@
         <p:txBody>
           <a:bodyPr/>
           <a:lstStyle/>
+          <a:p>
+            <a:r>
+              <a:rPr lang="ru-RU" dirty="0" smtClean="0"/>
+              <a:t>Физика движения:</a:t>
+            </a:r>
+            <a:endParaRPr lang="en-US" dirty="0" smtClean="0"/>
+          </a:p>
+          <a:p>
+            <a:pPr lvl="1"/>
+            <a:r>
+              <a:rPr lang="en-US" dirty="0" smtClean="0"/>
+              <a:t>Search Race</a:t>
+            </a:r>
+            <a:endParaRPr lang="ru-RU" dirty="0" smtClean="0"/>
+          </a:p>
+          <a:p>
+            <a:pPr lvl="1"/>
+            <a:r>
+              <a:rPr lang="en-US" dirty="0" smtClean="0"/>
+              <a:t>Mad Pod Racing</a:t>
+            </a:r>
+            <a:endParaRPr lang="ru-RU" dirty="0" smtClean="0"/>
+          </a:p>
+          <a:p>
+            <a:pPr lvl="1"/>
+            <a:r>
+              <a:rPr lang="en-US" dirty="0" smtClean="0"/>
+              <a:t>Mean Max</a:t>
+            </a:r>
+            <a:endParaRPr lang="ru-RU" dirty="0" smtClean="0"/>
+          </a:p>
+          <a:p>
+            <a:pPr lvl="1"/>
+            <a:r>
+              <a:rPr lang="en-US" dirty="0" smtClean="0"/>
+              <a:t>Poker Chip</a:t>
+            </a:r>
+            <a:r>
+              <a:rPr lang="ru-RU" dirty="0" smtClean="0"/>
+              <a:t> </a:t>
+            </a:r>
+            <a:r>
+              <a:rPr lang="en-US" dirty="0" smtClean="0"/>
+              <a:t>Race</a:t>
+            </a:r>
+          </a:p>
+          <a:p>
+            <a:pPr lvl="1"/>
+            <a:r>
+              <a:rPr lang="en-US" dirty="0"/>
+              <a:t>Broomstick </a:t>
+            </a:r>
+            <a:r>
+              <a:rPr lang="en-US" dirty="0" smtClean="0"/>
+              <a:t>flyers</a:t>
+            </a:r>
+            <a:endParaRPr lang="ru-RU" dirty="0" smtClean="0"/>
+          </a:p>
+          <a:p>
+            <a:r>
+              <a:rPr lang="ru-RU" dirty="0" smtClean="0"/>
+              <a:t>Пошаговые паззлы и игры:</a:t>
+            </a:r>
+            <a:endParaRPr lang="en-US" dirty="0" smtClean="0"/>
+          </a:p>
+          <a:p>
+            <a:pPr lvl="1"/>
+            <a:r>
+              <a:rPr lang="en-US" dirty="0" smtClean="0"/>
+              <a:t>Same Game</a:t>
+            </a:r>
+          </a:p>
+          <a:p>
+            <a:pPr lvl="1"/>
+            <a:r>
+              <a:rPr lang="en-US" dirty="0" smtClean="0"/>
+              <a:t>2048</a:t>
+            </a:r>
+          </a:p>
+          <a:p>
+            <a:pPr lvl="1"/>
+            <a:r>
+              <a:rPr lang="en-US" dirty="0" smtClean="0"/>
+              <a:t>Connect4</a:t>
+            </a:r>
+            <a:endParaRPr lang="ru-RU" dirty="0" smtClean="0"/>
+          </a:p>
+          <a:p>
+            <a:pPr lvl="1"/>
+            <a:r>
+              <a:rPr lang="en-US" dirty="0" smtClean="0"/>
+              <a:t>Smash</a:t>
+            </a:r>
+            <a:r>
+              <a:rPr lang="ru-RU" dirty="0" smtClean="0"/>
+              <a:t> </a:t>
+            </a:r>
+            <a:r>
+              <a:rPr lang="en-US" dirty="0" smtClean="0"/>
+              <a:t>the</a:t>
+            </a:r>
+            <a:r>
+              <a:rPr lang="ru-RU" dirty="0" smtClean="0"/>
+              <a:t> </a:t>
+            </a:r>
+            <a:r>
+              <a:rPr lang="en-US" dirty="0" smtClean="0"/>
+              <a:t>Code</a:t>
+            </a:r>
+          </a:p>
           <a:p>
             <a:pPr marL="0" indent="0">
               <a:buNone/>
             </a:pPr>
-            <a:endParaRPr lang="ru-RU" dirty="0"/>
+            <a:endParaRPr lang="en-US" dirty="0" smtClean="0"/>
           </a:p>
         </p:txBody>
       </p:sp>
     </p:spTree>
     <p:extLst>
       <p:ext uri="{BB962C8B-B14F-4D97-AF65-F5344CB8AC3E}">
-        <p14:creationId xmlns:p14="http://schemas.microsoft.com/office/powerpoint/2010/main" val="3132329753"/>
+        <p14:creationId xmlns:p14="http://schemas.microsoft.com/office/powerpoint/2010/main" val="626208269"/>
+      </p:ext>
+    </p:extLst>
+  </p:cSld>
+  <p:clrMapOvr>
+    <a:masterClrMapping/>
+  </p:clrMapOvr>
+</p:sld>
+</file>
+
+<file path=ppt/slides/slide13.xml><?xml version="1.0" encoding="utf-8"?>
+<p:sld xmlns:a="http://schemas.openxmlformats.org/drawingml/2006/main" xmlns:r="http://schemas.openxmlformats.org/officeDocument/2006/relationships" xmlns:p="http://schemas.openxmlformats.org/presentationml/2006/main">
+  <p:cSld>
+    <p:spTree>
+      <p:nvGrpSpPr>
+        <p:cNvPr id="1" name=""/>
+        <p:cNvGrpSpPr/>
+        <p:nvPr/>
+      </p:nvGrpSpPr>
+      <p:grpSpPr>
+        <a:xfrm>
+          <a:off x="0" y="0"/>
+          <a:ext cx="0" cy="0"/>
+          <a:chOff x="0" y="0"/>
+          <a:chExt cx="0" cy="0"/>
+        </a:xfrm>
+      </p:grpSpPr>
+      <p:sp>
+        <p:nvSpPr>
+          <p:cNvPr id="2" name="Заголовок 1"/>
+          <p:cNvSpPr>
+            <a:spLocks noGrp="1"/>
+          </p:cNvSpPr>
+          <p:nvPr>
+            <p:ph type="ctrTitle"/>
+          </p:nvPr>
+        </p:nvSpPr>
+        <p:spPr>
+          <a:xfrm>
+            <a:off x="4014439" y="2490439"/>
+            <a:ext cx="7263161" cy="1519529"/>
+          </a:xfrm>
+        </p:spPr>
+        <p:txBody>
+          <a:bodyPr anchor="b">
+            <a:noAutofit/>
+          </a:bodyPr>
+          <a:lstStyle/>
+          <a:p>
+            <a:r>
+              <a:rPr lang="ru-RU" sz="3600" b="1" dirty="0"/>
+              <a:t>ФИИТ </a:t>
+            </a:r>
+            <a:r>
+              <a:rPr lang="ru-RU" sz="3600" b="1" dirty="0" err="1"/>
+              <a:t>УрФУ</a:t>
+            </a:r>
+            <a:r>
+              <a:rPr lang="ru-RU" sz="3600" b="1" dirty="0"/>
+              <a:t> — </a:t>
+            </a:r>
+            <a:r>
+              <a:rPr lang="ru-RU" sz="3600" b="1" dirty="0" err="1"/>
+              <a:t>бакалавриат</a:t>
+            </a:r>
+            <a:r>
+              <a:rPr lang="ru-RU" sz="3600" b="1" dirty="0"/>
+              <a:t> для крутых разработчиков</a:t>
+            </a:r>
+          </a:p>
+        </p:txBody>
+      </p:sp>
+      <p:sp>
+        <p:nvSpPr>
+          <p:cNvPr id="7" name="Подзаголовок 6"/>
+          <p:cNvSpPr>
+            <a:spLocks noGrp="1"/>
+          </p:cNvSpPr>
+          <p:nvPr>
+            <p:ph type="subTitle" idx="1"/>
+          </p:nvPr>
+        </p:nvSpPr>
+        <p:spPr/>
+        <p:txBody>
+          <a:bodyPr>
+            <a:normAutofit/>
+          </a:bodyPr>
+          <a:lstStyle/>
+          <a:p>
+            <a:r>
+              <a:rPr lang="ru-RU" dirty="0" smtClean="0"/>
+              <a:t>Павел Егоров </a:t>
+            </a:r>
+            <a:r>
+              <a:rPr lang="en-US" dirty="0" smtClean="0"/>
+              <a:t>@</a:t>
+            </a:r>
+            <a:r>
+              <a:rPr lang="en-US" dirty="0" err="1" smtClean="0"/>
+              <a:t>xoposhiy</a:t>
+            </a:r>
+            <a:endParaRPr lang="en-US" dirty="0"/>
+          </a:p>
+        </p:txBody>
+      </p:sp>
+      <p:pic>
+        <p:nvPicPr>
+          <p:cNvPr id="4" name="Рисунок 3"/>
+          <p:cNvPicPr>
+            <a:picLocks noChangeAspect="1"/>
+          </p:cNvPicPr>
+          <p:nvPr/>
+        </p:nvPicPr>
+        <p:blipFill>
+          <a:blip r:embed="rId3" cstate="print">
+            <a:extLst>
+              <a:ext uri="{28A0092B-C50C-407E-A947-70E740481C1C}">
+                <a14:useLocalDpi xmlns:a14="http://schemas.microsoft.com/office/drawing/2010/main" val="0"/>
+              </a:ext>
+            </a:extLst>
+          </a:blip>
+          <a:stretch>
+            <a:fillRect/>
+          </a:stretch>
+        </p:blipFill>
+        <p:spPr>
+          <a:xfrm>
+            <a:off x="865630" y="2075631"/>
+            <a:ext cx="2705597" cy="2709541"/>
+          </a:xfrm>
+          <a:prstGeom prst="rect">
+            <a:avLst/>
+          </a:prstGeom>
+        </p:spPr>
+      </p:pic>
+    </p:spTree>
+    <p:extLst>
+      <p:ext uri="{BB962C8B-B14F-4D97-AF65-F5344CB8AC3E}">
+        <p14:creationId xmlns:p14="http://schemas.microsoft.com/office/powerpoint/2010/main" val="377685954"/>
       </p:ext>
     </p:extLst>
   </p:cSld>
@@ -3458,6 +3965,710 @@
       </p:par>
     </p:tnLst>
   </p:timing>
+</p:sld>
+</file>
+
+<file path=ppt/slides/slide14.xml><?xml version="1.0" encoding="utf-8"?>
+<p:sld xmlns:a="http://schemas.openxmlformats.org/drawingml/2006/main" xmlns:r="http://schemas.openxmlformats.org/officeDocument/2006/relationships" xmlns:p="http://schemas.openxmlformats.org/presentationml/2006/main">
+  <p:cSld>
+    <p:spTree>
+      <p:nvGrpSpPr>
+        <p:cNvPr id="1" name=""/>
+        <p:cNvGrpSpPr/>
+        <p:nvPr/>
+      </p:nvGrpSpPr>
+      <p:grpSpPr>
+        <a:xfrm>
+          <a:off x="0" y="0"/>
+          <a:ext cx="0" cy="0"/>
+          <a:chOff x="0" y="0"/>
+          <a:chExt cx="0" cy="0"/>
+        </a:xfrm>
+      </p:grpSpPr>
+      <p:sp>
+        <p:nvSpPr>
+          <p:cNvPr id="2" name="Заголовок 1"/>
+          <p:cNvSpPr>
+            <a:spLocks noGrp="1"/>
+          </p:cNvSpPr>
+          <p:nvPr>
+            <p:ph type="title"/>
+          </p:nvPr>
+        </p:nvSpPr>
+        <p:spPr/>
+        <p:txBody>
+          <a:bodyPr/>
+          <a:lstStyle/>
+          <a:p>
+            <a:r>
+              <a:rPr lang="ru-RU" dirty="0" smtClean="0"/>
+              <a:t>Сайты ФИИТ</a:t>
+            </a:r>
+            <a:endParaRPr lang="ru-RU" dirty="0"/>
+          </a:p>
+        </p:txBody>
+      </p:sp>
+      <p:sp>
+        <p:nvSpPr>
+          <p:cNvPr id="3" name="Объект 2"/>
+          <p:cNvSpPr>
+            <a:spLocks noGrp="1"/>
+          </p:cNvSpPr>
+          <p:nvPr>
+            <p:ph idx="1"/>
+          </p:nvPr>
+        </p:nvSpPr>
+        <p:spPr/>
+        <p:txBody>
+          <a:bodyPr/>
+          <a:lstStyle/>
+          <a:p>
+            <a:r>
+              <a:rPr lang="en-US" dirty="0" smtClean="0">
+                <a:hlinkClick r:id="rId2"/>
+              </a:rPr>
+              <a:t>https://fiit-urfu.ru</a:t>
+            </a:r>
+            <a:r>
+              <a:rPr lang="ru-RU" dirty="0" smtClean="0"/>
+              <a:t> </a:t>
+            </a:r>
+          </a:p>
+          <a:p>
+            <a:r>
+              <a:rPr lang="en-US" dirty="0" smtClean="0">
+                <a:hlinkClick r:id="rId3"/>
+              </a:rPr>
+              <a:t>https://vk.com/fiiturfu</a:t>
+            </a:r>
+            <a:endParaRPr lang="ru-RU" dirty="0"/>
+          </a:p>
+        </p:txBody>
+      </p:sp>
+    </p:spTree>
+    <p:extLst>
+      <p:ext uri="{BB962C8B-B14F-4D97-AF65-F5344CB8AC3E}">
+        <p14:creationId xmlns:p14="http://schemas.microsoft.com/office/powerpoint/2010/main" val="36410305"/>
+      </p:ext>
+    </p:extLst>
+  </p:cSld>
+  <p:clrMapOvr>
+    <a:masterClrMapping/>
+  </p:clrMapOvr>
+  <p:timing>
+    <p:tnLst>
+      <p:par>
+        <p:cTn id="1" dur="indefinite" restart="never" nodeType="tmRoot"/>
+      </p:par>
+    </p:tnLst>
+  </p:timing>
+</p:sld>
+</file>
+
+<file path=ppt/slides/slide15.xml><?xml version="1.0" encoding="utf-8"?>
+<p:sld xmlns:a="http://schemas.openxmlformats.org/drawingml/2006/main" xmlns:r="http://schemas.openxmlformats.org/officeDocument/2006/relationships" xmlns:p="http://schemas.openxmlformats.org/presentationml/2006/main">
+  <p:cSld>
+    <p:spTree>
+      <p:nvGrpSpPr>
+        <p:cNvPr id="1" name=""/>
+        <p:cNvGrpSpPr/>
+        <p:nvPr/>
+      </p:nvGrpSpPr>
+      <p:grpSpPr>
+        <a:xfrm>
+          <a:off x="0" y="0"/>
+          <a:ext cx="0" cy="0"/>
+          <a:chOff x="0" y="0"/>
+          <a:chExt cx="0" cy="0"/>
+        </a:xfrm>
+      </p:grpSpPr>
+      <p:sp>
+        <p:nvSpPr>
+          <p:cNvPr id="4" name="Заголовок 3"/>
+          <p:cNvSpPr>
+            <a:spLocks noGrp="1"/>
+          </p:cNvSpPr>
+          <p:nvPr>
+            <p:ph type="title"/>
+          </p:nvPr>
+        </p:nvSpPr>
+        <p:spPr/>
+        <p:txBody>
+          <a:bodyPr/>
+          <a:lstStyle/>
+          <a:p>
+            <a:r>
+              <a:rPr lang="ru-RU" dirty="0" smtClean="0"/>
+              <a:t>Стажировка</a:t>
+            </a:r>
+            <a:endParaRPr lang="ru-RU" dirty="0"/>
+          </a:p>
+        </p:txBody>
+      </p:sp>
+      <p:sp>
+        <p:nvSpPr>
+          <p:cNvPr id="2" name="Объект 1"/>
+          <p:cNvSpPr>
+            <a:spLocks noGrp="1"/>
+          </p:cNvSpPr>
+          <p:nvPr>
+            <p:ph idx="1"/>
+          </p:nvPr>
+        </p:nvSpPr>
+        <p:spPr>
+          <a:xfrm>
+            <a:off x="6004560" y="792481"/>
+            <a:ext cx="5600064" cy="5336858"/>
+          </a:xfrm>
+        </p:spPr>
+        <p:txBody>
+          <a:bodyPr/>
+          <a:lstStyle/>
+          <a:p>
+            <a:pPr marL="0" indent="0">
+              <a:buNone/>
+            </a:pPr>
+            <a:r>
+              <a:rPr lang="ru-RU" dirty="0" smtClean="0"/>
+              <a:t>28 студентов стажировались</a:t>
+            </a:r>
+          </a:p>
+          <a:p>
+            <a:pPr marL="0" indent="0">
+              <a:buNone/>
+            </a:pPr>
+            <a:r>
+              <a:rPr lang="ru-RU" dirty="0" smtClean="0"/>
+              <a:t>21 — разработчиками</a:t>
+            </a:r>
+          </a:p>
+          <a:p>
+            <a:pPr marL="0" indent="0">
+              <a:buNone/>
+            </a:pPr>
+            <a:r>
+              <a:rPr lang="ru-RU" dirty="0" smtClean="0"/>
+              <a:t>5 — аналитиками</a:t>
+            </a:r>
+            <a:endParaRPr lang="ru-RU" dirty="0"/>
+          </a:p>
+        </p:txBody>
+      </p:sp>
+      <p:pic>
+        <p:nvPicPr>
+          <p:cNvPr id="8" name="Рисунок 7"/>
+          <p:cNvPicPr>
+            <a:picLocks noChangeAspect="1"/>
+          </p:cNvPicPr>
+          <p:nvPr/>
+        </p:nvPicPr>
+        <p:blipFill>
+          <a:blip r:embed="rId3"/>
+          <a:stretch>
+            <a:fillRect/>
+          </a:stretch>
+        </p:blipFill>
+        <p:spPr>
+          <a:xfrm>
+            <a:off x="5771145" y="0"/>
+            <a:ext cx="6460629" cy="6858000"/>
+          </a:xfrm>
+          <a:prstGeom prst="rect">
+            <a:avLst/>
+          </a:prstGeom>
+        </p:spPr>
+      </p:pic>
+      <p:pic>
+        <p:nvPicPr>
+          <p:cNvPr id="16" name="Рисунок 15"/>
+          <p:cNvPicPr>
+            <a:picLocks noChangeAspect="1"/>
+          </p:cNvPicPr>
+          <p:nvPr/>
+        </p:nvPicPr>
+        <p:blipFill>
+          <a:blip r:embed="rId4"/>
+          <a:stretch>
+            <a:fillRect/>
+          </a:stretch>
+        </p:blipFill>
+        <p:spPr>
+          <a:xfrm>
+            <a:off x="-3263" y="-336886"/>
+            <a:ext cx="5734634" cy="8348639"/>
+          </a:xfrm>
+          <a:prstGeom prst="rect">
+            <a:avLst/>
+          </a:prstGeom>
+        </p:spPr>
+      </p:pic>
+      <p:grpSp>
+        <p:nvGrpSpPr>
+          <p:cNvPr id="12" name="Группа 11"/>
+          <p:cNvGrpSpPr/>
+          <p:nvPr/>
+        </p:nvGrpSpPr>
+        <p:grpSpPr>
+          <a:xfrm rot="16200000">
+            <a:off x="3871997" y="938891"/>
+            <a:ext cx="2846549" cy="968768"/>
+            <a:chOff x="5850504" y="-1600943"/>
+            <a:chExt cx="2846549" cy="968768"/>
+          </a:xfrm>
+        </p:grpSpPr>
+        <p:pic>
+          <p:nvPicPr>
+            <p:cNvPr id="10" name="Рисунок 9"/>
+            <p:cNvPicPr>
+              <a:picLocks noChangeAspect="1"/>
+            </p:cNvPicPr>
+            <p:nvPr/>
+          </p:nvPicPr>
+          <p:blipFill>
+            <a:blip r:embed="rId5" cstate="print">
+              <a:duotone>
+                <a:schemeClr val="accent1">
+                  <a:shade val="45000"/>
+                  <a:satMod val="135000"/>
+                </a:schemeClr>
+                <a:prstClr val="white"/>
+              </a:duotone>
+              <a:extLst>
+                <a:ext uri="{28A0092B-C50C-407E-A947-70E740481C1C}">
+                  <a14:useLocalDpi xmlns:a14="http://schemas.microsoft.com/office/drawing/2010/main" val="0"/>
+                </a:ext>
+              </a:extLst>
+            </a:blip>
+            <a:stretch>
+              <a:fillRect/>
+            </a:stretch>
+          </p:blipFill>
+          <p:spPr>
+            <a:xfrm>
+              <a:off x="5850504" y="-1600943"/>
+              <a:ext cx="968768" cy="968768"/>
+            </a:xfrm>
+            <a:prstGeom prst="rect">
+              <a:avLst/>
+            </a:prstGeom>
+          </p:spPr>
+        </p:pic>
+        <p:sp>
+          <p:nvSpPr>
+            <p:cNvPr id="11" name="TextBox 10"/>
+            <p:cNvSpPr txBox="1"/>
+            <p:nvPr/>
+          </p:nvSpPr>
+          <p:spPr>
+            <a:xfrm>
+              <a:off x="6660855" y="-1501281"/>
+              <a:ext cx="2036198" cy="769441"/>
+            </a:xfrm>
+            <a:prstGeom prst="rect">
+              <a:avLst/>
+            </a:prstGeom>
+            <a:noFill/>
+          </p:spPr>
+          <p:txBody>
+            <a:bodyPr wrap="none" rtlCol="0">
+              <a:spAutoFit/>
+            </a:bodyPr>
+            <a:lstStyle/>
+            <a:p>
+              <a:r>
+                <a:rPr lang="en-US" sz="4400" u="sng" dirty="0" err="1" smtClean="0">
+                  <a:solidFill>
+                    <a:srgbClr val="CD0079"/>
+                  </a:solidFill>
+                  <a:latin typeface="Golos Text" panose="020B0503020202020204" pitchFamily="34" charset="-52"/>
+                  <a:cs typeface="Golos Text" panose="020B0503020202020204" pitchFamily="34" charset="-52"/>
+                </a:rPr>
+                <a:t>fiiturfu</a:t>
+              </a:r>
+              <a:endParaRPr lang="ru-RU" sz="4400" u="sng" dirty="0">
+                <a:solidFill>
+                  <a:srgbClr val="CD0079"/>
+                </a:solidFill>
+                <a:latin typeface="Golos Text" panose="020B0503020202020204" pitchFamily="34" charset="-52"/>
+                <a:cs typeface="Golos Text" panose="020B0503020202020204" pitchFamily="34" charset="-52"/>
+              </a:endParaRPr>
+            </a:p>
+          </p:txBody>
+        </p:sp>
+      </p:grpSp>
+    </p:spTree>
+    <p:extLst>
+      <p:ext uri="{BB962C8B-B14F-4D97-AF65-F5344CB8AC3E}">
+        <p14:creationId xmlns:p14="http://schemas.microsoft.com/office/powerpoint/2010/main" val="2797440511"/>
+      </p:ext>
+    </p:extLst>
+  </p:cSld>
+  <p:clrMapOvr>
+    <a:masterClrMapping/>
+  </p:clrMapOvr>
+  <p:timing>
+    <p:tnLst>
+      <p:par>
+        <p:cTn id="1" dur="indefinite" restart="never" nodeType="tmRoot">
+          <p:childTnLst>
+            <p:seq concurrent="1" nextAc="seek">
+              <p:cTn id="2" dur="indefinite" nodeType="mainSeq">
+                <p:childTnLst>
+                  <p:par>
+                    <p:cTn id="3" fill="hold">
+                      <p:stCondLst>
+                        <p:cond delay="indefinite"/>
+                      </p:stCondLst>
+                      <p:childTnLst>
+                        <p:par>
+                          <p:cTn id="4" fill="hold">
+                            <p:stCondLst>
+                              <p:cond delay="0"/>
+                            </p:stCondLst>
+                            <p:childTnLst>
+                              <p:par>
+                                <p:cTn id="5" presetID="1" presetClass="entr" presetSubtype="0" fill="hold" nodeType="clickEffect">
+                                  <p:stCondLst>
+                                    <p:cond delay="0"/>
+                                  </p:stCondLst>
+                                  <p:childTnLst>
+                                    <p:set>
+                                      <p:cBhvr>
+                                        <p:cTn id="6" dur="1" fill="hold">
+                                          <p:stCondLst>
+                                            <p:cond delay="0"/>
+                                          </p:stCondLst>
+                                        </p:cTn>
+                                        <p:tgtEl>
+                                          <p:spTgt spid="8"/>
+                                        </p:tgtEl>
+                                        <p:attrNameLst>
+                                          <p:attrName>style.visibility</p:attrName>
+                                        </p:attrNameLst>
+                                      </p:cBhvr>
+                                      <p:to>
+                                        <p:strVal val="visible"/>
+                                      </p:to>
+                                    </p:set>
+                                  </p:childTnLst>
+                                </p:cTn>
+                              </p:par>
+                              <p:par>
+                                <p:cTn id="7" presetID="1" presetClass="entr" presetSubtype="0" fill="hold" nodeType="withEffect">
+                                  <p:stCondLst>
+                                    <p:cond delay="0"/>
+                                  </p:stCondLst>
+                                  <p:childTnLst>
+                                    <p:set>
+                                      <p:cBhvr>
+                                        <p:cTn id="8" dur="1" fill="hold">
+                                          <p:stCondLst>
+                                            <p:cond delay="0"/>
+                                          </p:stCondLst>
+                                        </p:cTn>
+                                        <p:tgtEl>
+                                          <p:spTgt spid="12"/>
+                                        </p:tgtEl>
+                                        <p:attrNameLst>
+                                          <p:attrName>style.visibility</p:attrName>
+                                        </p:attrNameLst>
+                                      </p:cBhvr>
+                                      <p:to>
+                                        <p:strVal val="visible"/>
+                                      </p:to>
+                                    </p:set>
+                                  </p:childTnLst>
+                                </p:cTn>
+                              </p:par>
+                            </p:childTnLst>
+                          </p:cTn>
+                        </p:par>
+                      </p:childTnLst>
+                    </p:cTn>
+                  </p:par>
+                </p:childTnLst>
+              </p:cTn>
+              <p:prevCondLst>
+                <p:cond evt="onPrev" delay="0">
+                  <p:tgtEl>
+                    <p:sldTgt/>
+                  </p:tgtEl>
+                </p:cond>
+              </p:prevCondLst>
+              <p:nextCondLst>
+                <p:cond evt="onNext" delay="0">
+                  <p:tgtEl>
+                    <p:sldTgt/>
+                  </p:tgtEl>
+                </p:cond>
+              </p:nextCondLst>
+            </p:seq>
+          </p:childTnLst>
+        </p:cTn>
+      </p:par>
+    </p:tnLst>
+  </p:timing>
+</p:sld>
+</file>
+
+<file path=ppt/slides/slide16.xml><?xml version="1.0" encoding="utf-8"?>
+<p:sld xmlns:a="http://schemas.openxmlformats.org/drawingml/2006/main" xmlns:r="http://schemas.openxmlformats.org/officeDocument/2006/relationships" xmlns:p="http://schemas.openxmlformats.org/presentationml/2006/main">
+  <p:cSld>
+    <p:spTree>
+      <p:nvGrpSpPr>
+        <p:cNvPr id="1" name=""/>
+        <p:cNvGrpSpPr/>
+        <p:nvPr/>
+      </p:nvGrpSpPr>
+      <p:grpSpPr>
+        <a:xfrm>
+          <a:off x="0" y="0"/>
+          <a:ext cx="0" cy="0"/>
+          <a:chOff x="0" y="0"/>
+          <a:chExt cx="0" cy="0"/>
+        </a:xfrm>
+      </p:grpSpPr>
+      <p:sp>
+        <p:nvSpPr>
+          <p:cNvPr id="2" name="Заголовок 1"/>
+          <p:cNvSpPr>
+            <a:spLocks noGrp="1"/>
+          </p:cNvSpPr>
+          <p:nvPr>
+            <p:ph type="title"/>
+          </p:nvPr>
+        </p:nvSpPr>
+        <p:spPr>
+          <a:xfrm>
+            <a:off x="1058451" y="1776954"/>
+            <a:ext cx="10363200" cy="2123954"/>
+          </a:xfrm>
+        </p:spPr>
+        <p:txBody>
+          <a:bodyPr/>
+          <a:lstStyle/>
+          <a:p>
+            <a:r>
+              <a:rPr lang="ru-RU" b="1" dirty="0" smtClean="0"/>
+              <a:t>Алгоритмы</a:t>
+            </a:r>
+            <a:r>
+              <a:rPr lang="ru-RU" b="1" dirty="0"/>
+              <a:t>, играющие в </a:t>
+            </a:r>
+            <a:r>
+              <a:rPr lang="ru-RU" b="1" dirty="0" smtClean="0"/>
+              <a:t>игры</a:t>
+            </a:r>
+            <a:br>
+              <a:rPr lang="ru-RU" b="1" dirty="0" smtClean="0"/>
+            </a:br>
+            <a:r>
+              <a:rPr lang="ru-RU" b="1" dirty="0" smtClean="0"/>
+              <a:t>для школьников</a:t>
+            </a:r>
+            <a:r>
+              <a:rPr lang="en-US" dirty="0"/>
+              <a:t/>
+            </a:r>
+            <a:br>
+              <a:rPr lang="en-US" dirty="0"/>
+            </a:br>
+            <a:endParaRPr lang="ru-RU" dirty="0"/>
+          </a:p>
+        </p:txBody>
+      </p:sp>
+    </p:spTree>
+    <p:extLst>
+      <p:ext uri="{BB962C8B-B14F-4D97-AF65-F5344CB8AC3E}">
+        <p14:creationId xmlns:p14="http://schemas.microsoft.com/office/powerpoint/2010/main" val="3329274643"/>
+      </p:ext>
+    </p:extLst>
+  </p:cSld>
+  <p:clrMapOvr>
+    <a:masterClrMapping/>
+  </p:clrMapOvr>
+</p:sld>
+</file>
+
+<file path=ppt/slides/slide17.xml><?xml version="1.0" encoding="utf-8"?>
+<p:sld xmlns:a="http://schemas.openxmlformats.org/drawingml/2006/main" xmlns:r="http://schemas.openxmlformats.org/officeDocument/2006/relationships" xmlns:p="http://schemas.openxmlformats.org/presentationml/2006/main">
+  <p:cSld>
+    <p:spTree>
+      <p:nvGrpSpPr>
+        <p:cNvPr id="1" name=""/>
+        <p:cNvGrpSpPr/>
+        <p:nvPr/>
+      </p:nvGrpSpPr>
+      <p:grpSpPr>
+        <a:xfrm>
+          <a:off x="0" y="0"/>
+          <a:ext cx="0" cy="0"/>
+          <a:chOff x="0" y="0"/>
+          <a:chExt cx="0" cy="0"/>
+        </a:xfrm>
+      </p:grpSpPr>
+      <p:sp>
+        <p:nvSpPr>
+          <p:cNvPr id="2" name="Заголовок 1"/>
+          <p:cNvSpPr>
+            <a:spLocks noGrp="1"/>
+          </p:cNvSpPr>
+          <p:nvPr>
+            <p:ph type="title"/>
+          </p:nvPr>
+        </p:nvSpPr>
+        <p:spPr/>
+        <p:txBody>
+          <a:bodyPr/>
+          <a:lstStyle/>
+          <a:p>
+            <a:r>
+              <a:rPr lang="ru-RU" dirty="0" smtClean="0"/>
+              <a:t>Приглашайте своих школьников</a:t>
+            </a:r>
+            <a:endParaRPr lang="ru-RU" dirty="0"/>
+          </a:p>
+        </p:txBody>
+      </p:sp>
+      <p:sp>
+        <p:nvSpPr>
+          <p:cNvPr id="3" name="Объект 2"/>
+          <p:cNvSpPr>
+            <a:spLocks noGrp="1"/>
+          </p:cNvSpPr>
+          <p:nvPr>
+            <p:ph idx="1"/>
+          </p:nvPr>
+        </p:nvSpPr>
+        <p:spPr>
+          <a:xfrm>
+            <a:off x="623887" y="1592263"/>
+            <a:ext cx="5612459" cy="4537075"/>
+          </a:xfrm>
+        </p:spPr>
+        <p:txBody>
+          <a:bodyPr/>
+          <a:lstStyle/>
+          <a:p>
+            <a:r>
+              <a:rPr lang="en-US" dirty="0" smtClean="0">
+                <a:hlinkClick r:id="rId2"/>
+              </a:rPr>
+              <a:t>https</a:t>
+            </a:r>
+            <a:r>
+              <a:rPr lang="en-US" dirty="0">
+                <a:hlinkClick r:id="rId2"/>
+              </a:rPr>
+              <a:t>://</a:t>
+            </a:r>
+            <a:r>
+              <a:rPr lang="en-US" dirty="0" smtClean="0">
+                <a:hlinkClick r:id="rId2"/>
+              </a:rPr>
+              <a:t>fiit-urfu.ru/lp/bot-school</a:t>
+            </a:r>
+            <a:r>
+              <a:rPr lang="en-US" dirty="0" smtClean="0"/>
+              <a:t> </a:t>
+            </a:r>
+          </a:p>
+          <a:p>
+            <a:r>
+              <a:rPr lang="en-US" dirty="0" smtClean="0"/>
+              <a:t>3</a:t>
+            </a:r>
+            <a:r>
+              <a:rPr lang="ru-RU" dirty="0" smtClean="0"/>
+              <a:t> недели</a:t>
+            </a:r>
+          </a:p>
+          <a:p>
+            <a:pPr lvl="1"/>
+            <a:r>
+              <a:rPr lang="ru-RU" dirty="0" smtClean="0"/>
+              <a:t>1 очное занятие в неделю</a:t>
+            </a:r>
+          </a:p>
+          <a:p>
+            <a:pPr lvl="1"/>
+            <a:r>
+              <a:rPr lang="ru-RU" dirty="0" smtClean="0"/>
+              <a:t>1 онлайн-консультация</a:t>
+            </a:r>
+            <a:endParaRPr lang="en-US" dirty="0" smtClean="0"/>
+          </a:p>
+          <a:p>
+            <a:r>
+              <a:rPr lang="ru-RU" dirty="0" smtClean="0"/>
+              <a:t>Как попасть?</a:t>
+            </a:r>
+          </a:p>
+          <a:p>
+            <a:pPr lvl="1"/>
+            <a:r>
+              <a:rPr lang="ru-RU" dirty="0" smtClean="0"/>
+              <a:t>Заполнить форму →</a:t>
+            </a:r>
+          </a:p>
+          <a:p>
+            <a:pPr lvl="1"/>
+            <a:r>
+              <a:rPr lang="ru-RU" dirty="0" smtClean="0"/>
+              <a:t>выполнить тестовое до </a:t>
+            </a:r>
+            <a:r>
+              <a:rPr lang="ru-RU" b="1" dirty="0" smtClean="0">
+                <a:solidFill>
+                  <a:schemeClr val="accent2"/>
+                </a:solidFill>
+              </a:rPr>
+              <a:t>28 марта</a:t>
+            </a:r>
+          </a:p>
+        </p:txBody>
+      </p:sp>
+      <p:pic>
+        <p:nvPicPr>
+          <p:cNvPr id="4" name="Рисунок 3"/>
+          <p:cNvPicPr>
+            <a:picLocks noChangeAspect="1"/>
+          </p:cNvPicPr>
+          <p:nvPr/>
+        </p:nvPicPr>
+        <p:blipFill>
+          <a:blip r:embed="rId3">
+            <a:extLst>
+              <a:ext uri="{28A0092B-C50C-407E-A947-70E740481C1C}">
+                <a14:useLocalDpi xmlns:a14="http://schemas.microsoft.com/office/drawing/2010/main" val="0"/>
+              </a:ext>
+            </a:extLst>
+          </a:blip>
+          <a:stretch>
+            <a:fillRect/>
+          </a:stretch>
+        </p:blipFill>
+        <p:spPr>
+          <a:xfrm>
+            <a:off x="6894335" y="1592263"/>
+            <a:ext cx="4910138" cy="4910138"/>
+          </a:xfrm>
+          <a:prstGeom prst="rect">
+            <a:avLst/>
+          </a:prstGeom>
+        </p:spPr>
+      </p:pic>
+    </p:spTree>
+    <p:extLst>
+      <p:ext uri="{BB962C8B-B14F-4D97-AF65-F5344CB8AC3E}">
+        <p14:creationId xmlns:p14="http://schemas.microsoft.com/office/powerpoint/2010/main" val="1386771345"/>
+      </p:ext>
+    </p:extLst>
+  </p:cSld>
+  <p:clrMapOvr>
+    <a:masterClrMapping/>
+  </p:clrMapOvr>
 </p:sld>
 </file>
 
@@ -3721,7 +4932,6 @@
               <a:rPr lang="ru-RU" dirty="0" smtClean="0"/>
               <a:t>Оценка</a:t>
             </a:r>
-            <a:endParaRPr lang="ru-RU" dirty="0" smtClean="0"/>
           </a:p>
           <a:p>
             <a:pPr>
@@ -3829,18 +5039,65 @@
               <a:rPr lang="ru-RU" dirty="0" smtClean="0"/>
               <a:t>30</a:t>
             </a:r>
+            <a:endParaRPr lang="en-US" dirty="0" smtClean="0"/>
+          </a:p>
+          <a:p>
+            <a:pPr lvl="1"/>
+            <a:r>
+              <a:rPr lang="en-US" dirty="0" err="1" smtClean="0"/>
+              <a:t>state.cells</a:t>
+            </a:r>
+            <a:r>
+              <a:rPr lang="en-US" dirty="0" smtClean="0"/>
+              <a:t>[x][y] == </a:t>
+            </a:r>
+            <a:r>
+              <a:rPr lang="ru-RU" dirty="0" err="1" smtClean="0"/>
+              <a:t>номер_игрока</a:t>
+            </a:r>
+            <a:endParaRPr lang="ru-RU" dirty="0" smtClean="0"/>
           </a:p>
           <a:p>
             <a:r>
               <a:rPr lang="ru-RU" dirty="0" smtClean="0"/>
               <a:t>Позиции мотоциклов</a:t>
             </a:r>
-          </a:p>
-          <a:p>
-            <a:r>
-              <a:rPr lang="ru-RU" dirty="0" smtClean="0"/>
-              <a:t>Номер текущего игрока</a:t>
-            </a:r>
+            <a:endParaRPr lang="en-US" dirty="0" smtClean="0"/>
+          </a:p>
+          <a:p>
+            <a:pPr lvl="1"/>
+            <a:r>
+              <a:rPr lang="en-US" dirty="0" err="1" smtClean="0"/>
+              <a:t>state.players</a:t>
+            </a:r>
+            <a:r>
+              <a:rPr lang="en-US" dirty="0" smtClean="0"/>
+              <a:t>[</a:t>
+            </a:r>
+            <a:r>
+              <a:rPr lang="ru-RU" dirty="0" err="1" smtClean="0"/>
+              <a:t>номер_игрока</a:t>
+            </a:r>
+            <a:r>
+              <a:rPr lang="en-US" dirty="0" smtClean="0"/>
+              <a:t>] == (x, y)</a:t>
+            </a:r>
+            <a:endParaRPr lang="ru-RU" dirty="0" smtClean="0"/>
+          </a:p>
+          <a:p>
+            <a:r>
+              <a:rPr lang="ru-RU" dirty="0" smtClean="0"/>
+              <a:t>Номер текущего игрока (наш номер)</a:t>
+            </a:r>
+            <a:endParaRPr lang="en-US" dirty="0" smtClean="0"/>
+          </a:p>
+          <a:p>
+            <a:pPr lvl="1"/>
+            <a:r>
+              <a:rPr lang="en-US" dirty="0" err="1" smtClean="0"/>
+              <a:t>state.player_index</a:t>
+            </a:r>
+            <a:endParaRPr lang="ru-RU" dirty="0" smtClean="0"/>
           </a:p>
           <a:p>
             <a:endParaRPr lang="ru-RU" dirty="0"/>
@@ -3857,6 +5114,11 @@
               <a:rPr lang="en-US" dirty="0" smtClean="0"/>
               <a:t> moves()</a:t>
             </a:r>
+            <a:r>
+              <a:rPr lang="ru-RU" dirty="0" smtClean="0"/>
+              <a:t> — возвращает список корректных ходов</a:t>
+            </a:r>
+            <a:endParaRPr lang="en-US" dirty="0" smtClean="0"/>
           </a:p>
           <a:p>
             <a:pPr marL="0" indent="0">
@@ -3882,8 +5144,21 @@
             </a:r>
             <a:r>
               <a:rPr lang="en-US" dirty="0" smtClean="0"/>
-              <a:t>()</a:t>
-            </a:r>
+              <a:t>(move)</a:t>
+            </a:r>
+            <a:r>
+              <a:rPr lang="ru-RU" dirty="0" smtClean="0"/>
+              <a:t> —</a:t>
+            </a:r>
+            <a:r>
+              <a:rPr lang="en-US" dirty="0" smtClean="0"/>
+              <a:t> </a:t>
+            </a:r>
+            <a:r>
+              <a:rPr lang="ru-RU" dirty="0" smtClean="0"/>
+              <a:t>применяет ход (сдвигает один мотоцикл) </a:t>
+            </a:r>
+            <a:endParaRPr lang="en-US" dirty="0" smtClean="0"/>
           </a:p>
         </p:txBody>
       </p:sp>
@@ -3948,33 +5223,15 @@
                                   </p:childTnLst>
                                 </p:cTn>
                               </p:par>
-                            </p:childTnLst>
-                          </p:cTn>
-                        </p:par>
-                      </p:childTnLst>
-                    </p:cTn>
-                  </p:par>
-                  <p:par>
-                    <p:cTn id="7" fill="hold">
-                      <p:stCondLst>
-                        <p:cond delay="indefinite"/>
-                      </p:stCondLst>
-                      <p:childTnLst>
-                        <p:par>
-                          <p:cTn id="8" fill="hold">
-                            <p:stCondLst>
-                              <p:cond delay="0"/>
-                            </p:stCondLst>
-                            <p:childTnLst>
                               <p:par>
-                                <p:cTn id="9" presetID="1" presetClass="entr" presetSubtype="0" fill="hold" grpId="0" nodeType="clickEffect">
+                                <p:cTn id="7" presetID="1" presetClass="entr" presetSubtype="0" fill="hold" grpId="0" nodeType="withEffect">
                                   <p:stCondLst>
                                     <p:cond delay="0"/>
                                   </p:stCondLst>
                                   <p:childTnLst>
                                     <p:set>
                                       <p:cBhvr>
-                                        <p:cTn id="10" dur="1" fill="hold">
+                                        <p:cTn id="8" dur="1" fill="hold">
                                           <p:stCondLst>
                                             <p:cond delay="0"/>
                                           </p:stCondLst>
@@ -4004,19 +5261,50 @@
                     </p:cTn>
                   </p:par>
                   <p:par>
-                    <p:cTn id="11" fill="hold">
+                    <p:cTn id="9" fill="hold">
                       <p:stCondLst>
                         <p:cond delay="indefinite"/>
                       </p:stCondLst>
                       <p:childTnLst>
                         <p:par>
-                          <p:cTn id="12" fill="hold">
+                          <p:cTn id="10" fill="hold">
                             <p:stCondLst>
                               <p:cond delay="0"/>
                             </p:stCondLst>
                             <p:childTnLst>
                               <p:par>
-                                <p:cTn id="13" presetID="1" presetClass="entr" presetSubtype="0" fill="hold" grpId="0" nodeType="clickEffect">
+                                <p:cTn id="11" presetID="1" presetClass="entr" presetSubtype="0" fill="hold" grpId="0" nodeType="clickEffect">
+                                  <p:stCondLst>
+                                    <p:cond delay="0"/>
+                                  </p:stCondLst>
+                                  <p:childTnLst>
+                                    <p:set>
+                                      <p:cBhvr>
+                                        <p:cTn id="12" dur="1" fill="hold">
+                                          <p:stCondLst>
+                                            <p:cond delay="0"/>
+                                          </p:stCondLst>
+                                        </p:cTn>
+                                        <p:tgtEl>
+                                          <p:spTgt spid="3">
+                                            <p:txEl>
+                                              <p:pRg st="2" end="2"/>
+                                            </p:txEl>
+                                          </p:spTgt>
+                                        </p:tgtEl>
+                                        <p:attrNameLst>
+                                          <p:attrName>style.visibility</p:attrName>
+                                        </p:attrNameLst>
+                                      </p:cBhvr>
+                                      <p:to>
+                                        <p:strVal val="visible"/>
+                                      </p:to>
+                                    </p:set>
+                                  </p:childTnLst>
+                                </p:cTn>
+                              </p:par>
+                              <p:par>
+                                <p:cTn id="13" presetID="1" presetClass="entr" presetSubtype="0" fill="hold" grpId="0" nodeType="withEffect">
                                   <p:stCondLst>
                                     <p:cond delay="0"/>
                                   </p:stCondLst>
@@ -4031,7 +5319,7 @@
                                         <p:tgtEl>
                                           <p:spTgt spid="3">
                                             <p:txEl>
-                                              <p:pRg st="2" end="2"/>
+                                              <p:pRg st="3" end="3"/>
                                             </p:txEl>
                                           </p:spTgt>
                                         </p:tgtEl>
@@ -4095,6 +5383,37 @@
                                   </p:childTnLst>
                                 </p:cTn>
                               </p:par>
+                              <p:par>
+                                <p:cTn id="19" presetID="1" presetClass="entr" presetSubtype="0" fill="hold" grpId="0" nodeType="withEffect">
+                                  <p:stCondLst>
+                                    <p:cond delay="0"/>
+                                  </p:stCondLst>
+                                  <p:childTnLst>
+                                    <p:set>
+                                      <p:cBhvr>
+                                        <p:cTn id="20" dur="1" fill="hold">
+                                          <p:stCondLst>
+                                            <p:cond delay="0"/>
+                                          </p:stCondLst>
+                                        </p:cTn>
+                                        <p:tgtEl>
+                                          <p:spTgt spid="3">
+                                            <p:txEl>
+                                              <p:pRg st="5" end="5"/>
+                                            </p:txEl>
+                                          </p:spTgt>
+                                        </p:tgtEl>
+                                        <p:attrNameLst>
+                                          <p:attrName>style.visibility</p:attrName>
+                                        </p:attrNameLst>
+                                      </p:cBhvr>
+                                      <p:to>
+                                        <p:strVal val="visible"/>
+                                      </p:to>
+                                    </p:set>
+                                  </p:childTnLst>
+                                </p:cTn>
+                              </p:par>
                             </p:childTnLst>
                           </p:cTn>
                         </p:par>
@@ -4102,26 +5421,26 @@
                     </p:cTn>
                   </p:par>
                   <p:par>
-                    <p:cTn id="19" fill="hold">
+                    <p:cTn id="21" fill="hold">
                       <p:stCondLst>
                         <p:cond delay="indefinite"/>
                       </p:stCondLst>
                       <p:childTnLst>
                         <p:par>
-                          <p:cTn id="20" fill="hold">
+                          <p:cTn id="22" fill="hold">
                             <p:stCondLst>
                               <p:cond delay="0"/>
                             </p:stCondLst>
                             <p:childTnLst>
                               <p:par>
-                                <p:cTn id="21" presetID="1" presetClass="entr" presetSubtype="0" fill="hold" grpId="0" nodeType="clickEffect">
+                                <p:cTn id="23" presetID="1" presetClass="entr" presetSubtype="0" fill="hold" grpId="0" nodeType="clickEffect">
                                   <p:stCondLst>
                                     <p:cond delay="0"/>
                                   </p:stCondLst>
                                   <p:childTnLst>
                                     <p:set>
                                       <p:cBhvr>
-                                        <p:cTn id="22" dur="1" fill="hold">
+                                        <p:cTn id="24" dur="1" fill="hold">
                                           <p:stCondLst>
                                             <p:cond delay="0"/>
                                           </p:stCondLst>
@@ -4129,7 +5448,56 @@
                                         <p:tgtEl>
                                           <p:spTgt spid="3">
                                             <p:txEl>
-                                              <p:pRg st="6" end="6"/>
+                                              <p:pRg st="7" end="7"/>
+                                            </p:txEl>
+                                          </p:spTgt>
+                                        </p:tgtEl>
+                                        <p:attrNameLst>
+                                          <p:attrName>style.visibility</p:attrName>
+                                        </p:attrNameLst>
+                                      </p:cBhvr>
+                                      <p:to>
+                                        <p:strVal val="visible"/>
+                                      </p:to>
+                                    </p:set>
+                                  </p:childTnLst>
+                                </p:cTn>
+                              </p:par>
+                            </p:childTnLst>
+                          </p:cTn>
+                        </p:par>
+                      </p:childTnLst>
+                    </p:cTn>
+                  </p:par>
+                  <p:par>
+                    <p:cTn id="25" fill="hold">
+                      <p:stCondLst>
+                        <p:cond delay="indefinite"/>
+                      </p:stCondLst>
+                      <p:childTnLst>
+                        <p:par>
+                          <p:cTn id="26" fill="hold">
+                            <p:stCondLst>
+                              <p:cond delay="0"/>
+                            </p:stCondLst>
+                            <p:childTnLst>
+                              <p:par>
+                                <p:cTn id="27" presetID="1" presetClass="entr" presetSubtype="0" fill="hold" grpId="0" nodeType="clickEffect">
+                                  <p:stCondLst>
+                                    <p:cond delay="0"/>
+                                  </p:stCondLst>
+                                  <p:childTnLst>
+                                    <p:set>
+                                      <p:cBhvr>
+                                        <p:cTn id="28" dur="1" fill="hold">
+                                          <p:stCondLst>
+                                            <p:cond delay="0"/>
+                                          </p:stCondLst>
+                                        </p:cTn>
+                                        <p:tgtEl>
+                                          <p:spTgt spid="3">
+                                            <p:txEl>
+                                              <p:pRg st="9" end="9"/>
                                             </p:txEl>
                                           </p:spTgt>
                                         </p:tgtEl>
@@ -4330,7 +5698,18 @@
                 </a:solidFill>
                 <a:latin typeface="Consolas" panose="020B0609020204030204" pitchFamily="49" charset="0"/>
               </a:rPr>
-              <a:t># undo == (</a:t>
+              <a:t># undo == </a:t>
+            </a:r>
+            <a:r>
+              <a:rPr lang="en-US" dirty="0" smtClean="0">
+                <a:solidFill>
+                  <a:schemeClr val="bg1">
+                    <a:lumMod val="65000"/>
+                  </a:schemeClr>
+                </a:solidFill>
+                <a:latin typeface="Consolas" panose="020B0609020204030204" pitchFamily="49" charset="0"/>
+              </a:rPr>
+              <a:t>(</a:t>
             </a:r>
             <a:r>
               <a:rPr lang="en-US" dirty="0" err="1" smtClean="0">
@@ -4341,7 +5720,7 @@
                 </a:solidFill>
                 <a:latin typeface="Consolas" panose="020B0609020204030204" pitchFamily="49" charset="0"/>
               </a:rPr>
-              <a:t>old_head_pos</a:t>
+              <a:t>player_index</a:t>
             </a:r>
             <a:r>
               <a:rPr lang="en-US" dirty="0" smtClean="0">
@@ -4363,7 +5742,29 @@
                 </a:solidFill>
                 <a:latin typeface="Consolas" panose="020B0609020204030204" pitchFamily="49" charset="0"/>
               </a:rPr>
-              <a:t>new_head_pos</a:t>
+              <a:t>old_pos</a:t>
+            </a:r>
+            <a:r>
+              <a:rPr lang="en-US" dirty="0" smtClean="0">
+                <a:solidFill>
+                  <a:schemeClr val="bg1">
+                    <a:lumMod val="65000"/>
+                  </a:schemeClr>
+                </a:solidFill>
+                <a:latin typeface="Consolas" panose="020B0609020204030204" pitchFamily="49" charset="0"/>
+              </a:rPr>
+              <a:t>, </a:t>
+            </a:r>
+            <a:r>
+              <a:rPr lang="en-US" dirty="0" err="1" smtClean="0">
+                <a:solidFill>
+                  <a:schemeClr val="bg1">
+                    <a:lumMod val="65000"/>
+                  </a:schemeClr>
+                </a:solidFill>
+                <a:latin typeface="Consolas" panose="020B0609020204030204" pitchFamily="49" charset="0"/>
+              </a:rPr>
+              <a:t>new_pos</a:t>
             </a:r>
             <a:r>
               <a:rPr lang="en-US" dirty="0" smtClean="0">
@@ -4376,6 +5777,14 @@
               </a:rPr>
               <a:t>)</a:t>
             </a:r>
+            <a:endParaRPr lang="en-US" dirty="0" smtClean="0">
+              <a:solidFill>
+                <a:schemeClr val="bg1">
+                  <a:lumMod val="65000"/>
+                </a:schemeClr>
+              </a:solidFill>
+              <a:latin typeface="Consolas" panose="020B0609020204030204" pitchFamily="49" charset="0"/>
+            </a:endParaRPr>
           </a:p>
         </p:txBody>
       </p:sp>
@@ -5230,7 +6639,6 @@
               <a:rPr lang="ru-RU" dirty="0" smtClean="0"/>
               <a:t>Всё это с одной из стратегий симуляции соперника</a:t>
             </a:r>
-            <a:endParaRPr lang="ru-RU" dirty="0" smtClean="0"/>
           </a:p>
           <a:p>
             <a:pPr marL="0" indent="0">
@@ -5943,6 +7351,12 @@
 </file>
 
 <file path=customXml/item1.xml><?xml version="1.0" encoding="utf-8"?>
+<p:properties xmlns:p="http://schemas.microsoft.com/office/2006/metadata/properties" xmlns:xsi="http://www.w3.org/2001/XMLSchema-instance" xmlns:pc="http://schemas.microsoft.com/office/infopath/2007/PartnerControls">
+  <documentManagement/>
+</p:properties>
+</file>
+
+<file path=customXml/item2.xml><?xml version="1.0" encoding="utf-8"?>
 <?mso-contentType ?>
 <FormTemplates xmlns="http://schemas.microsoft.com/sharepoint/v3/contenttype/forms">
   <Display>DocumentLibraryForm</Display>
@@ -5951,7 +7365,7 @@
 </FormTemplates>
 </file>
 
-<file path=customXml/item2.xml><?xml version="1.0" encoding="utf-8"?>
+<file path=customXml/item3.xml><?xml version="1.0" encoding="utf-8"?>
 <ct:contentTypeSchema xmlns:ct="http://schemas.microsoft.com/office/2006/metadata/contentType" xmlns:ma="http://schemas.microsoft.com/office/2006/metadata/properties/metaAttributes" ct:_="" ma:_="" ma:contentTypeName="Документ" ma:contentTypeID="0x010100D15C31BFB067CE438418208BFBD95ACF" ma:contentTypeVersion="4" ma:contentTypeDescription="Создание документа." ma:contentTypeScope="" ma:versionID="e5ae66e525818dd68787b862137e2b0d">
   <xsd:schema xmlns:xsd="http://www.w3.org/2001/XMLSchema" xmlns:xs="http://www.w3.org/2001/XMLSchema" xmlns:p="http://schemas.microsoft.com/office/2006/metadata/properties" xmlns:ns2="3344343f-a5f0-456c-af59-3f91e5f2cd12" targetNamespace="http://schemas.microsoft.com/office/2006/metadata/properties" ma:root="true" ma:fieldsID="301cf6c2f636c79f02f11baba80e7105" ns2:_="">
     <xsd:import namespace="3344343f-a5f0-456c-af59-3f91e5f2cd12"/>
@@ -6095,13 +7509,23 @@
 </ct:contentTypeSchema>
 </file>
 
-<file path=customXml/item3.xml><?xml version="1.0" encoding="utf-8"?>
-<p:properties xmlns:p="http://schemas.microsoft.com/office/2006/metadata/properties" xmlns:xsi="http://www.w3.org/2001/XMLSchema-instance" xmlns:pc="http://schemas.microsoft.com/office/infopath/2007/PartnerControls">
-  <documentManagement/>
-</p:properties>
+<file path=customXml/itemProps1.xml><?xml version="1.0" encoding="utf-8"?>
+<ds:datastoreItem xmlns:ds="http://schemas.openxmlformats.org/officeDocument/2006/customXml" ds:itemID="{C2AD1C3F-2D59-484F-A9CD-A1FE403906F6}">
+  <ds:schemaRefs>
+    <ds:schemaRef ds:uri="http://purl.org/dc/dcmitype/"/>
+    <ds:schemaRef ds:uri="http://www.w3.org/XML/1998/namespace"/>
+    <ds:schemaRef ds:uri="http://schemas.microsoft.com/office/2006/documentManagement/types"/>
+    <ds:schemaRef ds:uri="http://purl.org/dc/elements/1.1/"/>
+    <ds:schemaRef ds:uri="http://purl.org/dc/terms/"/>
+    <ds:schemaRef ds:uri="http://schemas.microsoft.com/office/infopath/2007/PartnerControls"/>
+    <ds:schemaRef ds:uri="http://schemas.openxmlformats.org/package/2006/metadata/core-properties"/>
+    <ds:schemaRef ds:uri="3344343f-a5f0-456c-af59-3f91e5f2cd12"/>
+    <ds:schemaRef ds:uri="http://schemas.microsoft.com/office/2006/metadata/properties"/>
+  </ds:schemaRefs>
+</ds:datastoreItem>
 </file>
 
-<file path=customXml/itemProps1.xml><?xml version="1.0" encoding="utf-8"?>
+<file path=customXml/itemProps2.xml><?xml version="1.0" encoding="utf-8"?>
 <ds:datastoreItem xmlns:ds="http://schemas.openxmlformats.org/officeDocument/2006/customXml" ds:itemID="{4EB755E9-87B2-4582-9EA2-5AB147E9C549}">
   <ds:schemaRefs>
     <ds:schemaRef ds:uri="http://schemas.microsoft.com/sharepoint/v3/contenttype/forms"/>
@@ -6109,7 +7533,7 @@
 </ds:datastoreItem>
 </file>
 
-<file path=customXml/itemProps2.xml><?xml version="1.0" encoding="utf-8"?>
+<file path=customXml/itemProps3.xml><?xml version="1.0" encoding="utf-8"?>
 <ds:datastoreItem xmlns:ds="http://schemas.openxmlformats.org/officeDocument/2006/customXml" ds:itemID="{2F0368C2-9EA3-4CF4-BF35-28C0E3B3E713}">
   <ds:schemaRefs>
     <ds:schemaRef ds:uri="http://schemas.microsoft.com/office/2006/metadata/contentType"/>
@@ -6125,20 +7549,4 @@
     <ds:schemaRef ds:uri="http://schemas.microsoft.com/internal/obd"/>
   </ds:schemaRefs>
 </ds:datastoreItem>
-</file>
-
-<file path=customXml/itemProps3.xml><?xml version="1.0" encoding="utf-8"?>
-<ds:datastoreItem xmlns:ds="http://schemas.openxmlformats.org/officeDocument/2006/customXml" ds:itemID="{C2AD1C3F-2D59-484F-A9CD-A1FE403906F6}">
-  <ds:schemaRefs>
-    <ds:schemaRef ds:uri="http://purl.org/dc/dcmitype/"/>
-    <ds:schemaRef ds:uri="http://www.w3.org/XML/1998/namespace"/>
-    <ds:schemaRef ds:uri="http://schemas.microsoft.com/office/2006/documentManagement/types"/>
-    <ds:schemaRef ds:uri="http://purl.org/dc/elements/1.1/"/>
-    <ds:schemaRef ds:uri="http://purl.org/dc/terms/"/>
-    <ds:schemaRef ds:uri="http://schemas.microsoft.com/office/infopath/2007/PartnerControls"/>
-    <ds:schemaRef ds:uri="http://schemas.openxmlformats.org/package/2006/metadata/core-properties"/>
-    <ds:schemaRef ds:uri="3344343f-a5f0-456c-af59-3f91e5f2cd12"/>
-    <ds:schemaRef ds:uri="http://schemas.microsoft.com/office/2006/metadata/properties"/>
-  </ds:schemaRefs>
-</ds:datastoreItem>
 </file>